--- a/230220_230236.pptx
+++ b/230220_230236.pptx
@@ -297,7 +297,7 @@
           <a:p>
             <a:fld id="{148EE06D-E2C5-4DF1-B3C1-8E9169AAB10D}" type="datetimeFigureOut">
               <a:rPr lang="en-US" smtClean="0"/>
-              <a:t>4/27/2024</a:t>
+              <a:t>4/28/2024</a:t>
             </a:fld>
             <a:endParaRPr lang="en-US" dirty="0"/>
           </a:p>
@@ -1113,9 +1113,12 @@
           <a:lstStyle/>
           <a:p>
             <a:pPr eaLnBrk="1" hangingPunct="1"/>
-            <a:endParaRPr lang="en-US" altLang="en-US" dirty="0">
-              <a:latin typeface="Arial" panose="020B0604020202020204" pitchFamily="34" charset="0"/>
-            </a:endParaRPr>
+            <a:r>
+              <a:rPr lang="en-US" altLang="en-US" dirty="0">
+                <a:latin typeface="Arial" panose="020B0604020202020204" pitchFamily="34" charset="0"/>
+              </a:rPr>
+              <a:t>Good morning everyone, this is Kazi Rifat Morshed, and, MD Rimon Islam, first year undergraduate student of Computer Science and Engineering Discipline of Khulna University, presenting our JAVA Graphical User Interface Project on Person-Student management System.</a:t>
+            </a:r>
           </a:p>
         </p:txBody>
       </p:sp>
@@ -1133,121 +1136,6 @@
 </file>
 
 <file path=ppt/notesSlides/notesSlide2.xml><?xml version="1.0" encoding="utf-8"?>
-<p:notes xmlns:a="http://schemas.openxmlformats.org/drawingml/2006/main" xmlns:r="http://schemas.openxmlformats.org/officeDocument/2006/relationships" xmlns:p="http://schemas.openxmlformats.org/presentationml/2006/main">
-  <p:cSld>
-    <p:spTree>
-      <p:nvGrpSpPr>
-        <p:cNvPr id="1" name=""/>
-        <p:cNvGrpSpPr/>
-        <p:nvPr/>
-      </p:nvGrpSpPr>
-      <p:grpSpPr>
-        <a:xfrm>
-          <a:off x="0" y="0"/>
-          <a:ext cx="0" cy="0"/>
-          <a:chOff x="0" y="0"/>
-          <a:chExt cx="0" cy="0"/>
-        </a:xfrm>
-      </p:grpSpPr>
-    </p:spTree>
-    <p:extLst>
-      <p:ext uri="{BB962C8B-B14F-4D97-AF65-F5344CB8AC3E}">
-        <p14:creationId xmlns:p14="http://schemas.microsoft.com/office/powerpoint/2010/main" val="2719101752"/>
-      </p:ext>
-    </p:extLst>
-  </p:cSld>
-  <p:clrMapOvr>
-    <a:masterClrMapping/>
-  </p:clrMapOvr>
-</p:notes>
-</file>
-
-<file path=ppt/notesSlides/notesSlide3.xml><?xml version="1.0" encoding="utf-8"?>
-<p:notes xmlns:a="http://schemas.openxmlformats.org/drawingml/2006/main" xmlns:r="http://schemas.openxmlformats.org/officeDocument/2006/relationships" xmlns:p="http://schemas.openxmlformats.org/presentationml/2006/main">
-  <p:cSld>
-    <p:spTree>
-      <p:nvGrpSpPr>
-        <p:cNvPr id="1" name=""/>
-        <p:cNvGrpSpPr/>
-        <p:nvPr/>
-      </p:nvGrpSpPr>
-      <p:grpSpPr>
-        <a:xfrm>
-          <a:off x="0" y="0"/>
-          <a:ext cx="0" cy="0"/>
-          <a:chOff x="0" y="0"/>
-          <a:chExt cx="0" cy="0"/>
-        </a:xfrm>
-      </p:grpSpPr>
-    </p:spTree>
-    <p:extLst>
-      <p:ext uri="{BB962C8B-B14F-4D97-AF65-F5344CB8AC3E}">
-        <p14:creationId xmlns:p14="http://schemas.microsoft.com/office/powerpoint/2010/main" val="2202017195"/>
-      </p:ext>
-    </p:extLst>
-  </p:cSld>
-  <p:clrMapOvr>
-    <a:masterClrMapping/>
-  </p:clrMapOvr>
-</p:notes>
-</file>
-
-<file path=ppt/notesSlides/notesSlide4.xml><?xml version="1.0" encoding="utf-8"?>
-<p:notes xmlns:a="http://schemas.openxmlformats.org/drawingml/2006/main" xmlns:r="http://schemas.openxmlformats.org/officeDocument/2006/relationships" xmlns:p="http://schemas.openxmlformats.org/presentationml/2006/main">
-  <p:cSld>
-    <p:spTree>
-      <p:nvGrpSpPr>
-        <p:cNvPr id="1" name=""/>
-        <p:cNvGrpSpPr/>
-        <p:nvPr/>
-      </p:nvGrpSpPr>
-      <p:grpSpPr>
-        <a:xfrm>
-          <a:off x="0" y="0"/>
-          <a:ext cx="0" cy="0"/>
-          <a:chOff x="0" y="0"/>
-          <a:chExt cx="0" cy="0"/>
-        </a:xfrm>
-      </p:grpSpPr>
-    </p:spTree>
-    <p:extLst>
-      <p:ext uri="{BB962C8B-B14F-4D97-AF65-F5344CB8AC3E}">
-        <p14:creationId xmlns:p14="http://schemas.microsoft.com/office/powerpoint/2010/main" val="2519791127"/>
-      </p:ext>
-    </p:extLst>
-  </p:cSld>
-  <p:clrMapOvr>
-    <a:masterClrMapping/>
-  </p:clrMapOvr>
-</p:notes>
-</file>
-
-<file path=ppt/notesSlides/notesSlide5.xml><?xml version="1.0" encoding="utf-8"?>
-<p:notes xmlns:a="http://schemas.openxmlformats.org/drawingml/2006/main" xmlns:r="http://schemas.openxmlformats.org/officeDocument/2006/relationships" xmlns:p="http://schemas.openxmlformats.org/presentationml/2006/main">
-  <p:cSld>
-    <p:spTree>
-      <p:nvGrpSpPr>
-        <p:cNvPr id="1" name=""/>
-        <p:cNvGrpSpPr/>
-        <p:nvPr/>
-      </p:nvGrpSpPr>
-      <p:grpSpPr>
-        <a:xfrm>
-          <a:off x="0" y="0"/>
-          <a:ext cx="0" cy="0"/>
-          <a:chOff x="0" y="0"/>
-          <a:chExt cx="0" cy="0"/>
-        </a:xfrm>
-      </p:grpSpPr>
-    </p:spTree>
-  </p:cSld>
-  <p:clrMapOvr>
-    <a:masterClrMapping/>
-  </p:clrMapOvr>
-</p:notes>
-</file>
-
-<file path=ppt/notesSlides/notesSlide6.xml><?xml version="1.0" encoding="utf-8"?>
 <p:notes xmlns:a="http://schemas.openxmlformats.org/drawingml/2006/main" xmlns:r="http://schemas.openxmlformats.org/officeDocument/2006/relationships" xmlns:p="http://schemas.openxmlformats.org/presentationml/2006/main">
   <p:cSld>
     <p:spTree>
@@ -1291,7 +1179,27 @@
           <a:bodyPr/>
           <a:lstStyle/>
           <a:p>
-            <a:endParaRPr lang="en-US" dirty="0"/>
+            <a:r>
+              <a:rPr lang="en-US" dirty="0"/>
+              <a:t>With Java Swing Library, we made a simple and user friendly program to make a database of Person and student with add, delete, sorting operations. Our program uses </a:t>
+            </a:r>
+            <a:r>
+              <a:rPr lang="en-US" dirty="0" err="1"/>
+              <a:t>সিরিয়ালাইজার</a:t>
+            </a:r>
+            <a:r>
+              <a:rPr lang="en-US" dirty="0"/>
+              <a:t> and </a:t>
+            </a:r>
+            <a:r>
+              <a:rPr lang="en-US" dirty="0" err="1"/>
+              <a:t>ডিসিরাইলাইজার</a:t>
+            </a:r>
+            <a:r>
+              <a:rPr lang="en-US" dirty="0"/>
+              <a:t> to save data into local memory and load from local memory.</a:t>
+            </a:r>
+            <a:endParaRPr lang="en-GB" dirty="0"/>
           </a:p>
         </p:txBody>
       </p:sp>
@@ -1313,7 +1221,7 @@
             <a:fld id="{6DEB7EE2-04A2-4FB2-9625-C9C73AC4D32F}" type="slidenum">
               <a:rPr lang="en-US" altLang="en-US" smtClean="0"/>
               <a:pPr/>
-              <a:t>7</a:t>
+              <a:t>2</a:t>
             </a:fld>
             <a:endParaRPr lang="en-US" altLang="en-US" dirty="0"/>
           </a:p>
@@ -1322,9 +1230,235 @@
     </p:spTree>
     <p:extLst>
       <p:ext uri="{BB962C8B-B14F-4D97-AF65-F5344CB8AC3E}">
-        <p14:creationId xmlns:p14="http://schemas.microsoft.com/office/powerpoint/2010/main" val="1632278876"/>
+        <p14:creationId xmlns:p14="http://schemas.microsoft.com/office/powerpoint/2010/main" val="3873191955"/>
       </p:ext>
     </p:extLst>
+  </p:cSld>
+  <p:clrMapOvr>
+    <a:masterClrMapping/>
+  </p:clrMapOvr>
+</p:notes>
+</file>
+
+<file path=ppt/notesSlides/notesSlide3.xml><?xml version="1.0" encoding="utf-8"?>
+<p:notes xmlns:a="http://schemas.openxmlformats.org/drawingml/2006/main" xmlns:r="http://schemas.openxmlformats.org/officeDocument/2006/relationships" xmlns:p="http://schemas.openxmlformats.org/presentationml/2006/main">
+  <p:cSld>
+    <p:spTree>
+      <p:nvGrpSpPr>
+        <p:cNvPr id="1" name=""/>
+        <p:cNvGrpSpPr/>
+        <p:nvPr/>
+      </p:nvGrpSpPr>
+      <p:grpSpPr>
+        <a:xfrm>
+          <a:off x="0" y="0"/>
+          <a:ext cx="0" cy="0"/>
+          <a:chOff x="0" y="0"/>
+          <a:chExt cx="0" cy="0"/>
+        </a:xfrm>
+      </p:grpSpPr>
+      <p:sp>
+        <p:nvSpPr>
+          <p:cNvPr id="2" name="Notes Placeholder 1">
+            <a:extLst>
+              <a:ext uri="{FF2B5EF4-FFF2-40B4-BE49-F238E27FC236}">
+                <a16:creationId xmlns:a16="http://schemas.microsoft.com/office/drawing/2014/main" id="{473B8FFD-95CE-4FC9-BD88-D2AD610ECC3C}"/>
+              </a:ext>
+            </a:extLst>
+          </p:cNvPr>
+          <p:cNvSpPr>
+            <a:spLocks noGrp="1"/>
+          </p:cNvSpPr>
+          <p:nvPr>
+            <p:ph type="body" idx="1"/>
+          </p:nvPr>
+        </p:nvSpPr>
+        <p:spPr/>
+        <p:txBody>
+          <a:bodyPr/>
+          <a:lstStyle/>
+          <a:p>
+            <a:r>
+              <a:rPr lang="en-US" dirty="0"/>
+              <a:t>When the program in launched, a new window appears with a menu bar. In the menu “Edit”, we have an option named “Edit Data”. This opens a new </a:t>
+            </a:r>
+            <a:r>
+              <a:rPr lang="en-US" dirty="0" err="1"/>
+              <a:t>wondow</a:t>
+            </a:r>
+            <a:r>
+              <a:rPr lang="en-US" dirty="0"/>
+              <a:t>, our Data Manipulation form.</a:t>
+            </a:r>
+            <a:endParaRPr lang="en-GB" dirty="0"/>
+          </a:p>
+        </p:txBody>
+      </p:sp>
+    </p:spTree>
+    <p:extLst>
+      <p:ext uri="{BB962C8B-B14F-4D97-AF65-F5344CB8AC3E}">
+        <p14:creationId xmlns:p14="http://schemas.microsoft.com/office/powerpoint/2010/main" val="2719101752"/>
+      </p:ext>
+    </p:extLst>
+  </p:cSld>
+  <p:clrMapOvr>
+    <a:masterClrMapping/>
+  </p:clrMapOvr>
+</p:notes>
+</file>
+
+<file path=ppt/notesSlides/notesSlide4.xml><?xml version="1.0" encoding="utf-8"?>
+<p:notes xmlns:a="http://schemas.openxmlformats.org/drawingml/2006/main" xmlns:r="http://schemas.openxmlformats.org/officeDocument/2006/relationships" xmlns:p="http://schemas.openxmlformats.org/presentationml/2006/main">
+  <p:cSld>
+    <p:spTree>
+      <p:nvGrpSpPr>
+        <p:cNvPr id="1" name=""/>
+        <p:cNvGrpSpPr/>
+        <p:nvPr/>
+      </p:nvGrpSpPr>
+      <p:grpSpPr>
+        <a:xfrm>
+          <a:off x="0" y="0"/>
+          <a:ext cx="0" cy="0"/>
+          <a:chOff x="0" y="0"/>
+          <a:chExt cx="0" cy="0"/>
+        </a:xfrm>
+      </p:grpSpPr>
+      <p:sp>
+        <p:nvSpPr>
+          <p:cNvPr id="2" name="Notes Placeholder 1">
+            <a:extLst>
+              <a:ext uri="{FF2B5EF4-FFF2-40B4-BE49-F238E27FC236}">
+                <a16:creationId xmlns:a16="http://schemas.microsoft.com/office/drawing/2014/main" id="{B24303C2-AA36-4494-BBC7-3F78018E6EC9}"/>
+              </a:ext>
+            </a:extLst>
+          </p:cNvPr>
+          <p:cNvSpPr>
+            <a:spLocks noGrp="1"/>
+          </p:cNvSpPr>
+          <p:nvPr>
+            <p:ph type="body" idx="1"/>
+          </p:nvPr>
+        </p:nvSpPr>
+        <p:spPr/>
+        <p:txBody>
+          <a:bodyPr/>
+          <a:lstStyle/>
+          <a:p>
+            <a:r>
+              <a:rPr lang="en-US" dirty="0"/>
+              <a:t>While opening the second window, if a save file is found in present directory, the program will load the data. The add button adds creates an object, add it to the </a:t>
+            </a:r>
+            <a:r>
+              <a:rPr lang="en-US" dirty="0" err="1"/>
+              <a:t>arrayList</a:t>
+            </a:r>
+            <a:r>
+              <a:rPr lang="en-US" dirty="0"/>
+              <a:t> and shows conformation message.</a:t>
+            </a:r>
+            <a:endParaRPr lang="en-GB" dirty="0"/>
+          </a:p>
+        </p:txBody>
+      </p:sp>
+    </p:spTree>
+    <p:extLst>
+      <p:ext uri="{BB962C8B-B14F-4D97-AF65-F5344CB8AC3E}">
+        <p14:creationId xmlns:p14="http://schemas.microsoft.com/office/powerpoint/2010/main" val="2202017195"/>
+      </p:ext>
+    </p:extLst>
+  </p:cSld>
+  <p:clrMapOvr>
+    <a:masterClrMapping/>
+  </p:clrMapOvr>
+</p:notes>
+</file>
+
+<file path=ppt/notesSlides/notesSlide5.xml><?xml version="1.0" encoding="utf-8"?>
+<p:notes xmlns:a="http://schemas.openxmlformats.org/drawingml/2006/main" xmlns:r="http://schemas.openxmlformats.org/officeDocument/2006/relationships" xmlns:p="http://schemas.openxmlformats.org/presentationml/2006/main">
+  <p:cSld>
+    <p:spTree>
+      <p:nvGrpSpPr>
+        <p:cNvPr id="1" name=""/>
+        <p:cNvGrpSpPr/>
+        <p:nvPr/>
+      </p:nvGrpSpPr>
+      <p:grpSpPr>
+        <a:xfrm>
+          <a:off x="0" y="0"/>
+          <a:ext cx="0" cy="0"/>
+          <a:chOff x="0" y="0"/>
+          <a:chExt cx="0" cy="0"/>
+        </a:xfrm>
+      </p:grpSpPr>
+      <p:sp>
+        <p:nvSpPr>
+          <p:cNvPr id="2" name="Notes Placeholder 1">
+            <a:extLst>
+              <a:ext uri="{FF2B5EF4-FFF2-40B4-BE49-F238E27FC236}">
+                <a16:creationId xmlns:a16="http://schemas.microsoft.com/office/drawing/2014/main" id="{46A46B83-9E4D-4E49-8E67-00D7CDE01707}"/>
+              </a:ext>
+            </a:extLst>
+          </p:cNvPr>
+          <p:cNvSpPr>
+            <a:spLocks noGrp="1"/>
+          </p:cNvSpPr>
+          <p:nvPr>
+            <p:ph type="body" idx="1"/>
+          </p:nvPr>
+        </p:nvSpPr>
+        <p:spPr/>
+        <p:txBody>
+          <a:bodyPr/>
+          <a:lstStyle/>
+          <a:p>
+            <a:r>
+              <a:rPr lang="en-US" dirty="0"/>
+              <a:t>Delete button deletes the presently showing entry from the </a:t>
+            </a:r>
+            <a:r>
+              <a:rPr lang="en-US" dirty="0" err="1"/>
+              <a:t>arraylist</a:t>
+            </a:r>
+            <a:r>
+              <a:rPr lang="en-US" dirty="0"/>
+              <a:t>. Update button updates the edit and saves a file into local memory such as Hard Disk. Or SSD.</a:t>
+            </a:r>
+            <a:endParaRPr lang="en-GB" dirty="0"/>
+          </a:p>
+        </p:txBody>
+      </p:sp>
+    </p:spTree>
+    <p:extLst>
+      <p:ext uri="{BB962C8B-B14F-4D97-AF65-F5344CB8AC3E}">
+        <p14:creationId xmlns:p14="http://schemas.microsoft.com/office/powerpoint/2010/main" val="2519791127"/>
+      </p:ext>
+    </p:extLst>
+  </p:cSld>
+  <p:clrMapOvr>
+    <a:masterClrMapping/>
+  </p:clrMapOvr>
+</p:notes>
+</file>
+
+<file path=ppt/notesSlides/notesSlide6.xml><?xml version="1.0" encoding="utf-8"?>
+<p:notes xmlns:a="http://schemas.openxmlformats.org/drawingml/2006/main" xmlns:r="http://schemas.openxmlformats.org/officeDocument/2006/relationships" xmlns:p="http://schemas.openxmlformats.org/presentationml/2006/main">
+  <p:cSld>
+    <p:spTree>
+      <p:nvGrpSpPr>
+        <p:cNvPr id="1" name=""/>
+        <p:cNvGrpSpPr/>
+        <p:nvPr/>
+      </p:nvGrpSpPr>
+      <p:grpSpPr>
+        <a:xfrm>
+          <a:off x="0" y="0"/>
+          <a:ext cx="0" cy="0"/>
+          <a:chOff x="0" y="0"/>
+          <a:chExt cx="0" cy="0"/>
+        </a:xfrm>
+      </p:grpSpPr>
+    </p:spTree>
   </p:cSld>
   <p:clrMapOvr>
     <a:masterClrMapping/>
@@ -1398,6 +1532,91 @@
             <a:fld id="{6DEB7EE2-04A2-4FB2-9625-C9C73AC4D32F}" type="slidenum">
               <a:rPr lang="en-US" altLang="en-US" smtClean="0"/>
               <a:pPr/>
+              <a:t>7</a:t>
+            </a:fld>
+            <a:endParaRPr lang="en-US" altLang="en-US" dirty="0"/>
+          </a:p>
+        </p:txBody>
+      </p:sp>
+    </p:spTree>
+    <p:extLst>
+      <p:ext uri="{BB962C8B-B14F-4D97-AF65-F5344CB8AC3E}">
+        <p14:creationId xmlns:p14="http://schemas.microsoft.com/office/powerpoint/2010/main" val="1632278876"/>
+      </p:ext>
+    </p:extLst>
+  </p:cSld>
+  <p:clrMapOvr>
+    <a:masterClrMapping/>
+  </p:clrMapOvr>
+</p:notes>
+</file>
+
+<file path=ppt/notesSlides/notesSlide8.xml><?xml version="1.0" encoding="utf-8"?>
+<p:notes xmlns:a="http://schemas.openxmlformats.org/drawingml/2006/main" xmlns:r="http://schemas.openxmlformats.org/officeDocument/2006/relationships" xmlns:p="http://schemas.openxmlformats.org/presentationml/2006/main">
+  <p:cSld>
+    <p:spTree>
+      <p:nvGrpSpPr>
+        <p:cNvPr id="1" name=""/>
+        <p:cNvGrpSpPr/>
+        <p:nvPr/>
+      </p:nvGrpSpPr>
+      <p:grpSpPr>
+        <a:xfrm>
+          <a:off x="0" y="0"/>
+          <a:ext cx="0" cy="0"/>
+          <a:chOff x="0" y="0"/>
+          <a:chExt cx="0" cy="0"/>
+        </a:xfrm>
+      </p:grpSpPr>
+      <p:sp>
+        <p:nvSpPr>
+          <p:cNvPr id="2" name="Slide Image Placeholder 1"/>
+          <p:cNvSpPr>
+            <a:spLocks noGrp="1" noRot="1" noChangeAspect="1"/>
+          </p:cNvSpPr>
+          <p:nvPr>
+            <p:ph type="sldImg"/>
+          </p:nvPr>
+        </p:nvSpPr>
+        <p:spPr/>
+      </p:sp>
+      <p:sp>
+        <p:nvSpPr>
+          <p:cNvPr id="3" name="Notes Placeholder 2"/>
+          <p:cNvSpPr>
+            <a:spLocks noGrp="1"/>
+          </p:cNvSpPr>
+          <p:nvPr>
+            <p:ph type="body" idx="1"/>
+          </p:nvPr>
+        </p:nvSpPr>
+        <p:spPr/>
+        <p:txBody>
+          <a:bodyPr/>
+          <a:lstStyle/>
+          <a:p>
+            <a:endParaRPr lang="en-US" dirty="0"/>
+          </a:p>
+        </p:txBody>
+      </p:sp>
+      <p:sp>
+        <p:nvSpPr>
+          <p:cNvPr id="4" name="Slide Number Placeholder 3"/>
+          <p:cNvSpPr>
+            <a:spLocks noGrp="1"/>
+          </p:cNvSpPr>
+          <p:nvPr>
+            <p:ph type="sldNum" sz="quarter" idx="5"/>
+          </p:nvPr>
+        </p:nvSpPr>
+        <p:spPr/>
+        <p:txBody>
+          <a:bodyPr/>
+          <a:lstStyle/>
+          <a:p>
+            <a:fld id="{6DEB7EE2-04A2-4FB2-9625-C9C73AC4D32F}" type="slidenum">
+              <a:rPr lang="en-US" altLang="en-US" smtClean="0"/>
+              <a:pPr/>
               <a:t>8</a:t>
             </a:fld>
             <a:endParaRPr lang="en-US" altLang="en-US" dirty="0"/>
@@ -1417,7 +1636,7 @@
 </p:notes>
 </file>
 
-<file path=ppt/notesSlides/notesSlide8.xml><?xml version="1.0" encoding="utf-8"?>
+<file path=ppt/notesSlides/notesSlide9.xml><?xml version="1.0" encoding="utf-8"?>
 <p:notes xmlns:a="http://schemas.openxmlformats.org/drawingml/2006/main" xmlns:r="http://schemas.openxmlformats.org/officeDocument/2006/relationships" xmlns:p="http://schemas.openxmlformats.org/presentationml/2006/main">
   <p:cSld>
     <p:spTree>
@@ -2110,7 +2329,7 @@
           <a:p>
             <a:fld id="{50A1B9BC-7BE7-4893-90FD-CC95830FD8F2}" type="datetimeFigureOut">
               <a:rPr lang="en-US" smtClean="0"/>
-              <a:t>4/27/2024</a:t>
+              <a:t>4/28/2024</a:t>
             </a:fld>
             <a:endParaRPr lang="en-US" dirty="0"/>
           </a:p>
@@ -4203,7 +4422,7 @@
             <a:fld id="{1D364696-E1F3-49EF-AEC8-730A16D9A23F}" type="datetimeFigureOut">
               <a:rPr lang="en-US" altLang="en-US" smtClean="0"/>
               <a:pPr/>
-              <a:t>4/27/2024</a:t>
+              <a:t>4/28/2024</a:t>
             </a:fld>
             <a:endParaRPr lang="en-US" altLang="en-US" dirty="0"/>
           </a:p>
@@ -5595,7 +5814,7 @@
           <p:nvPr/>
         </p:nvPicPr>
         <p:blipFill>
-          <a:blip r:embed="rId2"/>
+          <a:blip r:embed="rId3"/>
           <a:stretch>
             <a:fillRect/>
           </a:stretch>
@@ -5828,10 +6047,10 @@
       </p:sp>
       <p:pic>
         <p:nvPicPr>
-          <p:cNvPr id="6" name="Picture 5">
+          <p:cNvPr id="9" name="Picture 8">
             <a:extLst>
               <a:ext uri="{FF2B5EF4-FFF2-40B4-BE49-F238E27FC236}">
-                <a16:creationId xmlns:a16="http://schemas.microsoft.com/office/drawing/2014/main" id="{B4895149-612F-41BF-B936-A4A25B21C386}"/>
+                <a16:creationId xmlns:a16="http://schemas.microsoft.com/office/drawing/2014/main" id="{F79C1620-9CB5-438D-A465-9D27E053B008}"/>
               </a:ext>
             </a:extLst>
           </p:cNvPr>
@@ -5848,8 +6067,8 @@
         </p:blipFill>
         <p:spPr>
           <a:xfrm>
-            <a:off x="6459559" y="1690884"/>
-            <a:ext cx="5227423" cy="4032583"/>
+            <a:off x="762000" y="3090332"/>
+            <a:ext cx="5479187" cy="1202267"/>
           </a:xfrm>
           <a:prstGeom prst="rect">
             <a:avLst/>
@@ -5858,10 +6077,10 @@
       </p:pic>
       <p:pic>
         <p:nvPicPr>
-          <p:cNvPr id="9" name="Picture 8">
+          <p:cNvPr id="5" name="Picture 4">
             <a:extLst>
               <a:ext uri="{FF2B5EF4-FFF2-40B4-BE49-F238E27FC236}">
-                <a16:creationId xmlns:a16="http://schemas.microsoft.com/office/drawing/2014/main" id="{F79C1620-9CB5-438D-A465-9D27E053B008}"/>
+                <a16:creationId xmlns:a16="http://schemas.microsoft.com/office/drawing/2014/main" id="{590835E2-E6A4-4966-A079-B861B2202041}"/>
               </a:ext>
             </a:extLst>
           </p:cNvPr>
@@ -5878,8 +6097,8 @@
         </p:blipFill>
         <p:spPr>
           <a:xfrm>
-            <a:off x="762000" y="3090332"/>
-            <a:ext cx="5479187" cy="1202267"/>
+            <a:off x="6525924" y="1723721"/>
+            <a:ext cx="5147618" cy="3935488"/>
           </a:xfrm>
           <a:prstGeom prst="rect">
             <a:avLst/>
@@ -5972,10 +6191,10 @@
       </p:sp>
       <p:pic>
         <p:nvPicPr>
-          <p:cNvPr id="9" name="Picture 8">
+          <p:cNvPr id="6" name="Picture 5">
             <a:extLst>
               <a:ext uri="{FF2B5EF4-FFF2-40B4-BE49-F238E27FC236}">
-                <a16:creationId xmlns:a16="http://schemas.microsoft.com/office/drawing/2014/main" id="{86C71529-A674-4E69-9E2A-17E13ED8D9DC}"/>
+                <a16:creationId xmlns:a16="http://schemas.microsoft.com/office/drawing/2014/main" id="{C87DFA59-D406-4166-8F2C-662D33DBDCF5}"/>
               </a:ext>
             </a:extLst>
           </p:cNvPr>
@@ -5992,8 +6211,8 @@
         </p:blipFill>
         <p:spPr>
           <a:xfrm>
-            <a:off x="465783" y="2084312"/>
-            <a:ext cx="5147618" cy="3935488"/>
+            <a:off x="6044053" y="2084312"/>
+            <a:ext cx="5682164" cy="3939523"/>
           </a:xfrm>
           <a:prstGeom prst="rect">
             <a:avLst/>
@@ -6002,10 +6221,10 @@
       </p:pic>
       <p:pic>
         <p:nvPicPr>
-          <p:cNvPr id="6" name="Picture 5">
+          <p:cNvPr id="5" name="Picture 4">
             <a:extLst>
               <a:ext uri="{FF2B5EF4-FFF2-40B4-BE49-F238E27FC236}">
-                <a16:creationId xmlns:a16="http://schemas.microsoft.com/office/drawing/2014/main" id="{C87DFA59-D406-4166-8F2C-662D33DBDCF5}"/>
+                <a16:creationId xmlns:a16="http://schemas.microsoft.com/office/drawing/2014/main" id="{6A99387C-BFE6-4C5C-B12F-99B66391FE35}"/>
               </a:ext>
             </a:extLst>
           </p:cNvPr>
@@ -6022,8 +6241,8 @@
         </p:blipFill>
         <p:spPr>
           <a:xfrm>
-            <a:off x="6044053" y="2084312"/>
-            <a:ext cx="5682164" cy="3939523"/>
+            <a:off x="762000" y="2037781"/>
+            <a:ext cx="5227423" cy="4032583"/>
           </a:xfrm>
           <a:prstGeom prst="rect">
             <a:avLst/>
@@ -8028,15 +8247,6 @@
 </file>
 
 <file path=customXml/item2.xml><?xml version="1.0" encoding="utf-8"?>
-<?mso-contentType ?>
-<FormTemplates xmlns="http://schemas.microsoft.com/sharepoint/v3/contenttype/forms">
-  <Display>DocumentLibraryForm</Display>
-  <Edit>DocumentLibraryForm</Edit>
-  <New>DocumentLibraryForm</New>
-</FormTemplates>
-</file>
-
-<file path=customXml/item3.xml><?xml version="1.0" encoding="utf-8"?>
 <p:properties xmlns:p="http://schemas.microsoft.com/office/2006/metadata/properties" xmlns:xsi="http://www.w3.org/2001/XMLSchema-instance" xmlns:pc="http://schemas.microsoft.com/office/infopath/2007/PartnerControls">
   <documentManagement>
     <Status xmlns="71af3243-3dd4-4a8d-8c0d-dd76da1f02a5">Not started</Status>
@@ -8053,6 +8263,15 @@
     <MediaServiceKeyPoints xmlns="71af3243-3dd4-4a8d-8c0d-dd76da1f02a5" xsi:nil="true"/>
   </documentManagement>
 </p:properties>
+</file>
+
+<file path=customXml/item3.xml><?xml version="1.0" encoding="utf-8"?>
+<?mso-contentType ?>
+<FormTemplates xmlns="http://schemas.microsoft.com/sharepoint/v3/contenttype/forms">
+  <Display>DocumentLibraryForm</Display>
+  <Edit>DocumentLibraryForm</Edit>
+  <New>DocumentLibraryForm</New>
+</FormTemplates>
 </file>
 
 <file path=customXml/itemProps1.xml><?xml version="1.0" encoding="utf-8"?>
@@ -8077,14 +8296,6 @@
 </file>
 
 <file path=customXml/itemProps2.xml><?xml version="1.0" encoding="utf-8"?>
-<ds:datastoreItem xmlns:ds="http://schemas.openxmlformats.org/officeDocument/2006/customXml" ds:itemID="{0F9CE79C-5104-4273-B83B-D03AD839A8F7}">
-  <ds:schemaRefs>
-    <ds:schemaRef ds:uri="http://schemas.microsoft.com/sharepoint/v3/contenttype/forms"/>
-  </ds:schemaRefs>
-</ds:datastoreItem>
-</file>
-
-<file path=customXml/itemProps3.xml><?xml version="1.0" encoding="utf-8"?>
 <ds:datastoreItem xmlns:ds="http://schemas.openxmlformats.org/officeDocument/2006/customXml" ds:itemID="{4E18D074-6F3D-488C-8220-03C2DEFDE854}">
   <ds:schemaRefs>
     <ds:schemaRef ds:uri="http://schemas.microsoft.com/office/2006/metadata/properties"/>
@@ -8094,4 +8305,12 @@
     <ds:schemaRef ds:uri="230e9df3-be65-4c73-a93b-d1236ebd677e"/>
   </ds:schemaRefs>
 </ds:datastoreItem>
+</file>
+
+<file path=customXml/itemProps3.xml><?xml version="1.0" encoding="utf-8"?>
+<ds:datastoreItem xmlns:ds="http://schemas.openxmlformats.org/officeDocument/2006/customXml" ds:itemID="{0F9CE79C-5104-4273-B83B-D03AD839A8F7}">
+  <ds:schemaRefs>
+    <ds:schemaRef ds:uri="http://schemas.microsoft.com/sharepoint/v3/contenttype/forms"/>
+  </ds:schemaRefs>
+</ds:datastoreItem>
 </file>
--- a/230220_230236.pptx
+++ b/230220_230236.pptx
@@ -1117,7 +1117,7 @@
               <a:rPr lang="en-US" altLang="en-US" dirty="0">
                 <a:latin typeface="Arial" panose="020B0604020202020204" pitchFamily="34" charset="0"/>
               </a:rPr>
-              <a:t>Good morning everyone, this is Kazi Rifat Morshed, and, MD Rimon Islam, first year undergraduate student of Computer Science and Engineering Discipline of Khulna University, presenting our JAVA Graphical User Interface Project on Person-Student management System.</a:t>
+              <a:t>Good morning everyone, this is Kazi Rifat Morshed, and, MD Rimon Islam, first year undergraduate students of Computer Science and Engineering Discipline of Khulna University, presenting our JAVA Graphical User Interface Project on Person-Student management System.</a:t>
             </a:r>
           </a:p>
         </p:txBody>
@@ -1181,7 +1181,7 @@
           <a:p>
             <a:r>
               <a:rPr lang="en-US" dirty="0"/>
-              <a:t>With Java Swing Library, we made a simple and user friendly program to make a database of Person and student with add, delete, sorting operations. Our program uses </a:t>
+              <a:t>With Java Swing Library, we made a simple and user friendly program to manage a database of Person and student with add, delete, sorting operations. Our program uses </a:t>
             </a:r>
             <a:r>
               <a:rPr lang="en-US" dirty="0" err="1"/>
@@ -1458,6 +1458,39 @@
           <a:chExt cx="0" cy="0"/>
         </a:xfrm>
       </p:grpSpPr>
+      <p:sp>
+        <p:nvSpPr>
+          <p:cNvPr id="2" name="Notes Placeholder 1">
+            <a:extLst>
+              <a:ext uri="{FF2B5EF4-FFF2-40B4-BE49-F238E27FC236}">
+                <a16:creationId xmlns:a16="http://schemas.microsoft.com/office/drawing/2014/main" id="{B457FB73-243F-4CAB-8AB5-620FCDB6520A}"/>
+              </a:ext>
+            </a:extLst>
+          </p:cNvPr>
+          <p:cNvSpPr>
+            <a:spLocks noGrp="1"/>
+          </p:cNvSpPr>
+          <p:nvPr>
+            <p:ph type="body" idx="1"/>
+          </p:nvPr>
+        </p:nvSpPr>
+        <p:spPr/>
+        <p:txBody>
+          <a:bodyPr/>
+          <a:lstStyle/>
+          <a:p>
+            <a:r>
+              <a:rPr lang="en-US"/>
+              <a:t>How did </a:t>
+            </a:r>
+            <a:r>
+              <a:rPr lang="en-US" dirty="0"/>
+              <a:t>we do it ?</a:t>
+            </a:r>
+            <a:endParaRPr lang="en-GB" dirty="0"/>
+          </a:p>
+        </p:txBody>
+      </p:sp>
     </p:spTree>
   </p:cSld>
   <p:clrMapOvr>
@@ -8247,6 +8280,15 @@
 </file>
 
 <file path=customXml/item2.xml><?xml version="1.0" encoding="utf-8"?>
+<?mso-contentType ?>
+<FormTemplates xmlns="http://schemas.microsoft.com/sharepoint/v3/contenttype/forms">
+  <Display>DocumentLibraryForm</Display>
+  <Edit>DocumentLibraryForm</Edit>
+  <New>DocumentLibraryForm</New>
+</FormTemplates>
+</file>
+
+<file path=customXml/item3.xml><?xml version="1.0" encoding="utf-8"?>
 <p:properties xmlns:p="http://schemas.microsoft.com/office/2006/metadata/properties" xmlns:xsi="http://www.w3.org/2001/XMLSchema-instance" xmlns:pc="http://schemas.microsoft.com/office/infopath/2007/PartnerControls">
   <documentManagement>
     <Status xmlns="71af3243-3dd4-4a8d-8c0d-dd76da1f02a5">Not started</Status>
@@ -8263,15 +8305,6 @@
     <MediaServiceKeyPoints xmlns="71af3243-3dd4-4a8d-8c0d-dd76da1f02a5" xsi:nil="true"/>
   </documentManagement>
 </p:properties>
-</file>
-
-<file path=customXml/item3.xml><?xml version="1.0" encoding="utf-8"?>
-<?mso-contentType ?>
-<FormTemplates xmlns="http://schemas.microsoft.com/sharepoint/v3/contenttype/forms">
-  <Display>DocumentLibraryForm</Display>
-  <Edit>DocumentLibraryForm</Edit>
-  <New>DocumentLibraryForm</New>
-</FormTemplates>
 </file>
 
 <file path=customXml/itemProps1.xml><?xml version="1.0" encoding="utf-8"?>
@@ -8296,6 +8329,14 @@
 </file>
 
 <file path=customXml/itemProps2.xml><?xml version="1.0" encoding="utf-8"?>
+<ds:datastoreItem xmlns:ds="http://schemas.openxmlformats.org/officeDocument/2006/customXml" ds:itemID="{0F9CE79C-5104-4273-B83B-D03AD839A8F7}">
+  <ds:schemaRefs>
+    <ds:schemaRef ds:uri="http://schemas.microsoft.com/sharepoint/v3/contenttype/forms"/>
+  </ds:schemaRefs>
+</ds:datastoreItem>
+</file>
+
+<file path=customXml/itemProps3.xml><?xml version="1.0" encoding="utf-8"?>
 <ds:datastoreItem xmlns:ds="http://schemas.openxmlformats.org/officeDocument/2006/customXml" ds:itemID="{4E18D074-6F3D-488C-8220-03C2DEFDE854}">
   <ds:schemaRefs>
     <ds:schemaRef ds:uri="http://schemas.microsoft.com/office/2006/metadata/properties"/>
@@ -8305,12 +8346,4 @@
     <ds:schemaRef ds:uri="230e9df3-be65-4c73-a93b-d1236ebd677e"/>
   </ds:schemaRefs>
 </ds:datastoreItem>
-</file>
-
-<file path=customXml/itemProps3.xml><?xml version="1.0" encoding="utf-8"?>
-<ds:datastoreItem xmlns:ds="http://schemas.openxmlformats.org/officeDocument/2006/customXml" ds:itemID="{0F9CE79C-5104-4273-B83B-D03AD839A8F7}">
-  <ds:schemaRefs>
-    <ds:schemaRef ds:uri="http://schemas.microsoft.com/sharepoint/v3/contenttype/forms"/>
-  </ds:schemaRefs>
-</ds:datastoreItem>
 </file>